--- a/Бот для промокодов.pptx
+++ b/Бот для промокодов.pptx
@@ -1266,54 +1266,13 @@
       </p:sp>
       <p:sp>
         <p:nvSpPr>
-          <p:cNvPr id="6" name="Text 2"/>
-          <p:cNvSpPr/>
-          <p:nvPr/>
-        </p:nvSpPr>
-        <p:spPr>
-          <a:xfrm>
-            <a:off x="475149" y="4502734"/>
-            <a:ext cx="952500" cy="166640"/>
-          </a:xfrm>
-          <a:prstGeom prst="rect">
-            <a:avLst/>
-          </a:prstGeom>
-          <a:noFill/>
-          <a:ln/>
-        </p:spPr>
-        <p:txBody>
-          <a:bodyPr wrap="square" lIns="0" tIns="0" rIns="0" bIns="0" rtlCol="0" anchor="b"/>
-          <a:lstStyle/>
-          <a:p>
-            <a:pPr algn="l">
-              <a:lnSpc>
-                <a:spcPts val="1313"/>
-              </a:lnSpc>
-            </a:pPr>
-            <a:r>
-              <a:rPr lang="en-US" sz="900" b="0" dirty="0">
-                <a:solidFill>
-                  <a:srgbClr val="FFFFFF"/>
-                </a:solidFill>
-                <a:latin typeface="General Sans" pitchFamily="34" charset="0"/>
-                <a:ea typeface="General Sans" pitchFamily="34" charset="-122"/>
-                <a:cs typeface="General Sans" pitchFamily="34" charset="-120"/>
-              </a:rPr>
-              <a:t>Апрель 2024</a:t>
-            </a:r>
-            <a:endParaRPr lang="en-US" sz="938" dirty="0"/>
-          </a:p>
-        </p:txBody>
-      </p:sp>
-      <p:sp>
-        <p:nvSpPr>
           <p:cNvPr id="7" name="Text 3"/>
           <p:cNvSpPr/>
           <p:nvPr/>
         </p:nvSpPr>
         <p:spPr>
           <a:xfrm>
-            <a:off x="1999187" y="4500610"/>
+            <a:off x="223500" y="4869680"/>
             <a:ext cx="2381250" cy="166640"/>
           </a:xfrm>
           <a:prstGeom prst="rect">
@@ -1332,9 +1291,12 @@
               </a:lnSpc>
             </a:pPr>
             <a:r>
-              <a:rPr lang="en-US" sz="900" b="0" dirty="0">
+              <a:rPr lang="en-US" sz="1500" b="0" dirty="0">
                 <a:solidFill>
-                  <a:srgbClr val="FFFFFF"/>
+                  <a:schemeClr val="tx1">
+                    <a:lumMod val="95000"/>
+                    <a:lumOff val="5000"/>
+                  </a:schemeClr>
                 </a:solidFill>
                 <a:latin typeface="General Sans" pitchFamily="34" charset="0"/>
                 <a:ea typeface="General Sans" pitchFamily="34" charset="-122"/>
@@ -1342,7 +1304,14 @@
               </a:rPr>
               <a:t>Зотин Иван x Чешуин Егор</a:t>
             </a:r>
-            <a:endParaRPr lang="en-US" sz="938" dirty="0"/>
+            <a:endParaRPr lang="en-US" sz="1500" dirty="0">
+              <a:solidFill>
+                <a:schemeClr val="tx1">
+                  <a:lumMod val="95000"/>
+                  <a:lumOff val="5000"/>
+                </a:schemeClr>
+              </a:solidFill>
+            </a:endParaRPr>
           </a:p>
         </p:txBody>
       </p:sp>
@@ -1400,37 +1369,6 @@
           </a:prstGeom>
         </p:spPr>
       </p:pic>
-      <p:pic>
-        <p:nvPicPr>
-          <p:cNvPr id="10" name="Image 3" descr="https://pitch-assets-ccb95893-de3f-4266-973c-20049231b248.s3.eu-west-1.amazonaws.com/try-pitch-pdf-export-logo.svg">
-            <a:hlinkClick r:id="rId6"/>
-          </p:cNvPr>
-          <p:cNvPicPr>
-            <a:picLocks noChangeAspect="1"/>
-          </p:cNvPicPr>
-          <p:nvPr/>
-        </p:nvPicPr>
-        <p:blipFill>
-          <a:blip r:embed="rId7">
-            <a:extLst>
-              <a:ext uri="{96DAC541-7B7A-43D3-8B79-37D633B846F1}">
-                <asvg:svgBlip xmlns:asvg="http://schemas.microsoft.com/office/drawing/2016/SVG/main" r:embed="rId8"/>
-              </a:ext>
-            </a:extLst>
-          </a:blip>
-          <a:srcRect/>
-          <a:stretch/>
-        </p:blipFill>
-        <p:spPr>
-          <a:xfrm>
-            <a:off x="136595" y="4803153"/>
-            <a:ext cx="515221" cy="227303"/>
-          </a:xfrm>
-          <a:prstGeom prst="rect">
-            <a:avLst/>
-          </a:prstGeom>
-        </p:spPr>
-      </p:pic>
     </p:spTree>
   </p:cSld>
   <p:clrMapOvr>
@@ -1661,37 +1599,6 @@
           <a:xfrm>
             <a:off x="5746546" y="966061"/>
             <a:ext cx="3262892" cy="1608395"/>
-          </a:xfrm>
-          <a:prstGeom prst="rect">
-            <a:avLst/>
-          </a:prstGeom>
-        </p:spPr>
-      </p:pic>
-      <p:pic>
-        <p:nvPicPr>
-          <p:cNvPr id="9" name="Image 2" descr="https://pitch-assets-ccb95893-de3f-4266-973c-20049231b248.s3.eu-west-1.amazonaws.com/try-pitch-pdf-export-logo.svg">
-            <a:hlinkClick r:id="rId5"/>
-          </p:cNvPr>
-          <p:cNvPicPr>
-            <a:picLocks noChangeAspect="1"/>
-          </p:cNvPicPr>
-          <p:nvPr/>
-        </p:nvPicPr>
-        <p:blipFill>
-          <a:blip r:embed="rId6">
-            <a:extLst>
-              <a:ext uri="{96DAC541-7B7A-43D3-8B79-37D633B846F1}">
-                <asvg:svgBlip xmlns:asvg="http://schemas.microsoft.com/office/drawing/2016/SVG/main" r:embed="rId7"/>
-              </a:ext>
-            </a:extLst>
-          </a:blip>
-          <a:srcRect/>
-          <a:stretch/>
-        </p:blipFill>
-        <p:spPr>
-          <a:xfrm>
-            <a:off x="136595" y="4803153"/>
-            <a:ext cx="515221" cy="227303"/>
           </a:xfrm>
           <a:prstGeom prst="rect">
             <a:avLst/>
@@ -1747,7 +1654,7 @@
         </p:nvGraphicFramePr>
         <p:xfrm>
           <a:off x="476250" y="1857700"/>
-          <a:ext cx="8191641" cy="2611230"/>
+          <a:ext cx="8153601" cy="2581275"/>
         </p:xfrm>
         <a:graphic>
           <a:graphicData uri="http://schemas.openxmlformats.org/drawingml/2006/table">
@@ -2524,37 +2431,6 @@
           </a:p>
         </p:txBody>
       </p:sp>
-      <p:pic>
-        <p:nvPicPr>
-          <p:cNvPr id="6" name="Image 0" descr="https://pitch-assets-ccb95893-de3f-4266-973c-20049231b248.s3.eu-west-1.amazonaws.com/try-pitch-pdf-export-logo.svg">
-            <a:hlinkClick r:id="rId3"/>
-          </p:cNvPr>
-          <p:cNvPicPr>
-            <a:picLocks noChangeAspect="1"/>
-          </p:cNvPicPr>
-          <p:nvPr/>
-        </p:nvPicPr>
-        <p:blipFill>
-          <a:blip r:embed="rId4">
-            <a:extLst>
-              <a:ext uri="{96DAC541-7B7A-43D3-8B79-37D633B846F1}">
-                <asvg:svgBlip xmlns:asvg="http://schemas.microsoft.com/office/drawing/2016/SVG/main" r:embed="rId5"/>
-              </a:ext>
-            </a:extLst>
-          </a:blip>
-          <a:srcRect/>
-          <a:stretch/>
-        </p:blipFill>
-        <p:spPr>
-          <a:xfrm>
-            <a:off x="136595" y="4803153"/>
-            <a:ext cx="515221" cy="227303"/>
-          </a:xfrm>
-          <a:prstGeom prst="rect">
-            <a:avLst/>
-          </a:prstGeom>
-        </p:spPr>
-      </p:pic>
     </p:spTree>
   </p:cSld>
   <p:clrMapOvr>
@@ -2753,7 +2629,7 @@
         </p:nvSpPr>
         <p:spPr>
           <a:xfrm>
-            <a:off x="5073472" y="2071802"/>
+            <a:off x="5076878" y="1508675"/>
             <a:ext cx="3595547" cy="240000"/>
           </a:xfrm>
           <a:prstGeom prst="rect">
@@ -2794,7 +2670,7 @@
         </p:nvSpPr>
         <p:spPr>
           <a:xfrm>
-            <a:off x="5073472" y="2534680"/>
+            <a:off x="5070782" y="1898311"/>
             <a:ext cx="3594609" cy="480000"/>
           </a:xfrm>
           <a:prstGeom prst="rect">
@@ -2835,7 +2711,7 @@
         </p:nvSpPr>
         <p:spPr>
           <a:xfrm>
-            <a:off x="5073472" y="4000958"/>
+            <a:off x="5077288" y="3001480"/>
             <a:ext cx="3594726" cy="480000"/>
           </a:xfrm>
           <a:prstGeom prst="rect">
@@ -2876,7 +2752,7 @@
         </p:nvSpPr>
         <p:spPr>
           <a:xfrm>
-            <a:off x="5073472" y="3548910"/>
+            <a:off x="5073472" y="2745352"/>
             <a:ext cx="3595547" cy="240000"/>
           </a:xfrm>
           <a:prstGeom prst="rect">
@@ -2958,7 +2834,7 @@
         </p:nvSpPr>
         <p:spPr>
           <a:xfrm>
-            <a:off x="5076148" y="4615978"/>
+            <a:off x="5070782" y="3878052"/>
             <a:ext cx="3511406" cy="434437"/>
           </a:xfrm>
           <a:prstGeom prst="rect">
@@ -2999,7 +2875,7 @@
         </p:nvSpPr>
         <p:spPr>
           <a:xfrm>
-            <a:off x="5076148" y="4424678"/>
+            <a:off x="5070782" y="3608521"/>
             <a:ext cx="190488" cy="241920"/>
           </a:xfrm>
           <a:prstGeom prst="rect">
@@ -3032,37 +2908,6 @@
           </a:p>
         </p:txBody>
       </p:sp>
-      <p:pic>
-        <p:nvPicPr>
-          <p:cNvPr id="14" name="Image 0" descr="https://pitch-assets-ccb95893-de3f-4266-973c-20049231b248.s3.eu-west-1.amazonaws.com/try-pitch-pdf-export-logo.svg">
-            <a:hlinkClick r:id="rId3"/>
-          </p:cNvPr>
-          <p:cNvPicPr>
-            <a:picLocks noChangeAspect="1"/>
-          </p:cNvPicPr>
-          <p:nvPr/>
-        </p:nvPicPr>
-        <p:blipFill>
-          <a:blip r:embed="rId4">
-            <a:extLst>
-              <a:ext uri="{96DAC541-7B7A-43D3-8B79-37D633B846F1}">
-                <asvg:svgBlip xmlns:asvg="http://schemas.microsoft.com/office/drawing/2016/SVG/main" r:embed="rId5"/>
-              </a:ext>
-            </a:extLst>
-          </a:blip>
-          <a:srcRect/>
-          <a:stretch/>
-        </p:blipFill>
-        <p:spPr>
-          <a:xfrm>
-            <a:off x="136595" y="4803153"/>
-            <a:ext cx="515221" cy="227303"/>
-          </a:xfrm>
-          <a:prstGeom prst="rect">
-            <a:avLst/>
-          </a:prstGeom>
-        </p:spPr>
-      </p:pic>
     </p:spTree>
   </p:cSld>
   <p:clrMapOvr>
@@ -3179,7 +3024,7 @@
         </p:nvSpPr>
         <p:spPr>
           <a:xfrm>
-            <a:off x="4932935" y="3977507"/>
+            <a:off x="5072063" y="2593342"/>
             <a:ext cx="3595606" cy="960000"/>
           </a:xfrm>
           <a:prstGeom prst="rect">
@@ -3212,92 +3057,14 @@
           </a:p>
         </p:txBody>
       </p:sp>
-      <p:sp>
-        <p:nvSpPr>
-          <p:cNvPr id="6" name="Text 3"/>
-          <p:cNvSpPr/>
-          <p:nvPr/>
-        </p:nvSpPr>
-        <p:spPr>
-          <a:xfrm>
-            <a:off x="476250" y="4438596"/>
-            <a:ext cx="3333281" cy="240000"/>
-          </a:xfrm>
-          <a:prstGeom prst="rect">
-            <a:avLst/>
-          </a:prstGeom>
-          <a:noFill/>
-          <a:ln/>
-        </p:spPr>
-        <p:txBody>
-          <a:bodyPr wrap="square" lIns="0" tIns="0" rIns="0" bIns="0" rtlCol="0" anchor="ctr"/>
-          <a:lstStyle/>
-          <a:p>
-            <a:pPr algn="l">
-              <a:lnSpc>
-                <a:spcPts val="1890"/>
-              </a:lnSpc>
-            </a:pPr>
-            <a:r>
-              <a:rPr lang="en-US" sz="1400" b="0" kern="0" spc="-24" dirty="0">
-                <a:solidFill>
-                  <a:srgbClr val="FFFFFF"/>
-                </a:solidFill>
-                <a:latin typeface="General Sans" pitchFamily="34" charset="0"/>
-                <a:ea typeface="General Sans" pitchFamily="34" charset="-122"/>
-                <a:cs typeface="General Sans" pitchFamily="34" charset="-120"/>
-              </a:rPr>
-              <a:t>mail.ru</a:t>
-            </a:r>
-            <a:endParaRPr lang="en-US" sz="1350" dirty="0"/>
-          </a:p>
-        </p:txBody>
-      </p:sp>
-      <p:sp>
-        <p:nvSpPr>
-          <p:cNvPr id="7" name="Text 4"/>
-          <p:cNvSpPr/>
-          <p:nvPr/>
-        </p:nvSpPr>
-        <p:spPr>
-          <a:xfrm>
-            <a:off x="477901" y="4152925"/>
-            <a:ext cx="3333515" cy="240000"/>
-          </a:xfrm>
-          <a:prstGeom prst="rect">
-            <a:avLst/>
-          </a:prstGeom>
-          <a:noFill/>
-          <a:ln/>
-        </p:spPr>
-        <p:txBody>
-          <a:bodyPr wrap="square" lIns="0" tIns="0" rIns="0" bIns="0" rtlCol="0" anchor="ctr"/>
-          <a:lstStyle/>
-          <a:p>
-            <a:pPr algn="l">
-              <a:lnSpc>
-                <a:spcPts val="1890"/>
-              </a:lnSpc>
-            </a:pPr>
-            <a:r>
-              <a:rPr lang="en-US" sz="1400" b="0" kern="0" spc="-24" dirty="0">
-                <a:solidFill>
-                  <a:srgbClr val="BCB3A4"/>
-                </a:solidFill>
-                <a:latin typeface="General Sans" pitchFamily="34" charset="0"/>
-                <a:ea typeface="General Sans" pitchFamily="34" charset="-122"/>
-                <a:cs typeface="General Sans" pitchFamily="34" charset="-120"/>
-              </a:rPr>
-              <a:t>Иван</a:t>
-            </a:r>
-            <a:endParaRPr lang="en-US" sz="1350" dirty="0"/>
-          </a:p>
-        </p:txBody>
-      </p:sp>
       <p:pic>
         <p:nvPicPr>
-          <p:cNvPr id="8" name="Image 0" descr="https://pitch-assets-ccb95893-de3f-4266-973c-20049231b248.s3.eu-west-1.amazonaws.com/try-pitch-pdf-export-logo.svg">
-            <a:hlinkClick r:id="rId3"/>
+          <p:cNvPr id="9" name="Рисунок 8">
+            <a:extLst>
+              <a:ext uri="{FF2B5EF4-FFF2-40B4-BE49-F238E27FC236}">
+                <a16:creationId xmlns:a16="http://schemas.microsoft.com/office/drawing/2014/main" id="{7D9A642B-96B0-8D96-F246-AE61CE753CDF}"/>
+              </a:ext>
+            </a:extLst>
           </p:cNvPr>
           <p:cNvPicPr>
             <a:picLocks noChangeAspect="1"/>
@@ -3305,20 +3072,15 @@
           <p:nvPr/>
         </p:nvPicPr>
         <p:blipFill>
-          <a:blip r:embed="rId4">
-            <a:extLst>
-              <a:ext uri="{96DAC541-7B7A-43D3-8B79-37D633B846F1}">
-                <asvg:svgBlip xmlns:asvg="http://schemas.microsoft.com/office/drawing/2016/SVG/main" r:embed="rId5"/>
-              </a:ext>
-            </a:extLst>
-          </a:blip>
-          <a:srcRect/>
-          <a:stretch/>
+          <a:blip r:embed="rId3"/>
+          <a:stretch>
+            <a:fillRect/>
+          </a:stretch>
         </p:blipFill>
         <p:spPr>
           <a:xfrm>
-            <a:off x="136595" y="4803153"/>
-            <a:ext cx="515221" cy="227303"/>
+            <a:off x="1084316" y="603114"/>
+            <a:ext cx="2406721" cy="3718913"/>
           </a:xfrm>
           <a:prstGeom prst="rect">
             <a:avLst/>
@@ -3460,37 +3222,6 @@
           <a:xfrm>
             <a:off x="6918397" y="3158494"/>
             <a:ext cx="1828800" cy="1748185"/>
-          </a:xfrm>
-          <a:prstGeom prst="rect">
-            <a:avLst/>
-          </a:prstGeom>
-        </p:spPr>
-      </p:pic>
-      <p:pic>
-        <p:nvPicPr>
-          <p:cNvPr id="6" name="Image 1" descr="https://pitch-assets-ccb95893-de3f-4266-973c-20049231b248.s3.eu-west-1.amazonaws.com/try-pitch-pdf-export-logo.svg">
-            <a:hlinkClick r:id="rId4"/>
-          </p:cNvPr>
-          <p:cNvPicPr>
-            <a:picLocks noChangeAspect="1"/>
-          </p:cNvPicPr>
-          <p:nvPr/>
-        </p:nvPicPr>
-        <p:blipFill>
-          <a:blip r:embed="rId5">
-            <a:extLst>
-              <a:ext uri="{96DAC541-7B7A-43D3-8B79-37D633B846F1}">
-                <asvg:svgBlip xmlns:asvg="http://schemas.microsoft.com/office/drawing/2016/SVG/main" r:embed="rId6"/>
-              </a:ext>
-            </a:extLst>
-          </a:blip>
-          <a:srcRect/>
-          <a:stretch/>
-        </p:blipFill>
-        <p:spPr>
-          <a:xfrm>
-            <a:off x="136595" y="4803153"/>
-            <a:ext cx="515221" cy="227303"/>
           </a:xfrm>
           <a:prstGeom prst="rect">
             <a:avLst/>
@@ -3539,7 +3270,9 @@
           <p:nvPr/>
         </p:nvPicPr>
         <p:blipFill>
-          <a:blip r:embed="rId3"/>
+          <a:blip r:embed="rId3">
+            <a:alphaModFix/>
+          </a:blip>
           <a:srcRect l="3106" r="5436"/>
           <a:stretch/>
         </p:blipFill>
@@ -3548,9 +3281,32 @@
             <a:off x="5639130" y="620721"/>
             <a:ext cx="3383134" cy="3699141"/>
           </a:xfrm>
-          <a:prstGeom prst="rect">
+          <a:prstGeom prst="ellipse">
             <a:avLst/>
           </a:prstGeom>
+          <a:ln w="190500" cap="rnd">
+            <a:solidFill>
+              <a:srgbClr val="C8C6BD"/>
+            </a:solidFill>
+            <a:prstDash val="solid"/>
+          </a:ln>
+          <a:effectLst>
+            <a:outerShdw blurRad="127000" algn="bl" rotWithShape="0">
+              <a:srgbClr val="000000"/>
+            </a:outerShdw>
+          </a:effectLst>
+          <a:scene3d>
+            <a:camera prst="perspectiveFront" fov="5400000"/>
+            <a:lightRig rig="threePt" dir="t">
+              <a:rot lat="0" lon="0" rev="19200000"/>
+            </a:lightRig>
+          </a:scene3d>
+          <a:sp3d extrusionH="25400">
+            <a:bevelT w="304800" h="152400" prst="hardEdge"/>
+            <a:extrusionClr>
+              <a:srgbClr val="000000"/>
+            </a:extrusionClr>
+          </a:sp3d>
         </p:spPr>
       </p:pic>
       <p:sp>
@@ -3654,88 +3410,6 @@
           </a:p>
         </p:txBody>
       </p:sp>
-      <p:sp>
-        <p:nvSpPr>
-          <p:cNvPr id="6" name="Text 2"/>
-          <p:cNvSpPr/>
-          <p:nvPr/>
-        </p:nvSpPr>
-        <p:spPr>
-          <a:xfrm>
-            <a:off x="1999187" y="4500610"/>
-            <a:ext cx="2381250" cy="166640"/>
-          </a:xfrm>
-          <a:prstGeom prst="rect">
-            <a:avLst/>
-          </a:prstGeom>
-          <a:noFill/>
-          <a:ln/>
-        </p:spPr>
-        <p:txBody>
-          <a:bodyPr wrap="square" lIns="0" tIns="0" rIns="0" bIns="0" rtlCol="0" anchor="b"/>
-          <a:lstStyle/>
-          <a:p>
-            <a:pPr algn="l">
-              <a:lnSpc>
-                <a:spcPts val="1313"/>
-              </a:lnSpc>
-            </a:pPr>
-            <a:r>
-              <a:rPr lang="en-US" sz="900" b="0" dirty="0">
-                <a:solidFill>
-                  <a:srgbClr val="FFFFFF"/>
-                </a:solidFill>
-                <a:latin typeface="General Sans" pitchFamily="34" charset="0"/>
-                <a:ea typeface="General Sans" pitchFamily="34" charset="-122"/>
-                <a:cs typeface="General Sans" pitchFamily="34" charset="-120"/>
-              </a:rPr>
-              <a:t>IvanBerat</a:t>
-            </a:r>
-            <a:endParaRPr lang="en-US" sz="938" dirty="0"/>
-          </a:p>
-        </p:txBody>
-      </p:sp>
-      <p:sp>
-        <p:nvSpPr>
-          <p:cNvPr id="7" name="Text 3"/>
-          <p:cNvSpPr/>
-          <p:nvPr/>
-        </p:nvSpPr>
-        <p:spPr>
-          <a:xfrm>
-            <a:off x="475149" y="4502734"/>
-            <a:ext cx="952500" cy="166640"/>
-          </a:xfrm>
-          <a:prstGeom prst="rect">
-            <a:avLst/>
-          </a:prstGeom>
-          <a:noFill/>
-          <a:ln/>
-        </p:spPr>
-        <p:txBody>
-          <a:bodyPr wrap="square" lIns="0" tIns="0" rIns="0" bIns="0" rtlCol="0" anchor="b"/>
-          <a:lstStyle/>
-          <a:p>
-            <a:pPr algn="l">
-              <a:lnSpc>
-                <a:spcPts val="1313"/>
-              </a:lnSpc>
-            </a:pPr>
-            <a:r>
-              <a:rPr lang="en-US" sz="900" b="0" dirty="0">
-                <a:solidFill>
-                  <a:srgbClr val="FFFFFF"/>
-                </a:solidFill>
-                <a:latin typeface="General Sans" pitchFamily="34" charset="0"/>
-                <a:ea typeface="General Sans" pitchFamily="34" charset="-122"/>
-                <a:cs typeface="General Sans" pitchFamily="34" charset="-120"/>
-              </a:rPr>
-              <a:t>Апрель 2024</a:t>
-            </a:r>
-            <a:endParaRPr lang="en-US" sz="938" dirty="0"/>
-          </a:p>
-        </p:txBody>
-      </p:sp>
       <p:pic>
         <p:nvPicPr>
           <p:cNvPr id="8" name="Image 1" descr="https://pitch-static-assets.imgix.net/stickers/make-your-point/exclamation.apng"/>
@@ -3752,39 +3426,8 @@
         </p:blipFill>
         <p:spPr>
           <a:xfrm>
-            <a:off x="4045526" y="2405159"/>
+            <a:off x="4733182" y="2327338"/>
             <a:ext cx="600783" cy="1828800"/>
-          </a:xfrm>
-          <a:prstGeom prst="rect">
-            <a:avLst/>
-          </a:prstGeom>
-        </p:spPr>
-      </p:pic>
-      <p:pic>
-        <p:nvPicPr>
-          <p:cNvPr id="9" name="Image 2" descr="https://pitch-assets-ccb95893-de3f-4266-973c-20049231b248.s3.eu-west-1.amazonaws.com/try-pitch-pdf-export-logo.svg">
-            <a:hlinkClick r:id="rId5"/>
-          </p:cNvPr>
-          <p:cNvPicPr>
-            <a:picLocks noChangeAspect="1"/>
-          </p:cNvPicPr>
-          <p:nvPr/>
-        </p:nvPicPr>
-        <p:blipFill>
-          <a:blip r:embed="rId6">
-            <a:extLst>
-              <a:ext uri="{96DAC541-7B7A-43D3-8B79-37D633B846F1}">
-                <asvg:svgBlip xmlns:asvg="http://schemas.microsoft.com/office/drawing/2016/SVG/main" r:embed="rId7"/>
-              </a:ext>
-            </a:extLst>
-          </a:blip>
-          <a:srcRect/>
-          <a:stretch/>
-        </p:blipFill>
-        <p:spPr>
-          <a:xfrm>
-            <a:off x="136595" y="4803153"/>
-            <a:ext cx="515221" cy="227303"/>
           </a:xfrm>
           <a:prstGeom prst="rect">
             <a:avLst/>
